--- a/wigs/WIGS-W10.pptx
+++ b/wigs/WIGS-W10.pptx
@@ -221,6 +221,7 @@
     <p1510:client id="{44333AAD-6613-2DB7-278F-32739CC71904}" v="1961" dt="2020-06-30T21:45:57.182"/>
     <p1510:client id="{87A4294D-280E-15D3-293C-543DBC162D1A}" v="454" dt="2020-06-30T03:47:00.014"/>
     <p1510:client id="{8A4440E2-5BAC-051B-54A4-DEF439A80CAF}" v="1106" dt="2020-06-30T21:03:07.869"/>
+    <p1510:client id="{BBDA7EF2-4C9A-2F9D-127A-F3165ACEA2C9}" v="7" dt="2020-07-15T20:33:32.581"/>
     <p1510:client id="{C208ED74-22C8-EC0F-5789-D651D9B87AD8}" v="2053" dt="2020-06-30T22:08:43.014"/>
   </p1510:revLst>
 </p1510:revInfo>
@@ -228,6 +229,30 @@
 
 <file path=ppt/changesInfos/changesInfo1.xml><?xml version="1.0" encoding="utf-8"?>
 <pc:chgInfo xmlns:a="http://schemas.openxmlformats.org/drawingml/2006/main" xmlns:r="http://schemas.openxmlformats.org/officeDocument/2006/relationships" xmlns:ac="http://schemas.microsoft.com/office/drawing/2013/main/command" xmlns:pc="http://schemas.microsoft.com/office/powerpoint/2013/main/command">
+  <pc:docChgLst>
+    <pc:chgData name="Boe, Jonah" userId="S::jonahwb@byui.edu::0d5e1f00-1ebc-42bd-9eb7-862baab2db1c" providerId="AD" clId="Web-{BBDA7EF2-4C9A-2F9D-127A-F3165ACEA2C9}"/>
+    <pc:docChg chg="modSld">
+      <pc:chgData name="Boe, Jonah" userId="S::jonahwb@byui.edu::0d5e1f00-1ebc-42bd-9eb7-862baab2db1c" providerId="AD" clId="Web-{BBDA7EF2-4C9A-2F9D-127A-F3165ACEA2C9}" dt="2020-07-15T20:33:00.829" v="1"/>
+      <pc:docMkLst>
+        <pc:docMk/>
+      </pc:docMkLst>
+      <pc:sldChg chg="modSp">
+        <pc:chgData name="Boe, Jonah" userId="S::jonahwb@byui.edu::0d5e1f00-1ebc-42bd-9eb7-862baab2db1c" providerId="AD" clId="Web-{BBDA7EF2-4C9A-2F9D-127A-F3165ACEA2C9}" dt="2020-07-15T20:33:00.829" v="1"/>
+        <pc:sldMkLst>
+          <pc:docMk/>
+          <pc:sldMk cId="474498242" sldId="341"/>
+        </pc:sldMkLst>
+        <pc:graphicFrameChg chg="mod modGraphic">
+          <ac:chgData name="Boe, Jonah" userId="S::jonahwb@byui.edu::0d5e1f00-1ebc-42bd-9eb7-862baab2db1c" providerId="AD" clId="Web-{BBDA7EF2-4C9A-2F9D-127A-F3165ACEA2C9}" dt="2020-07-15T20:33:00.829" v="1"/>
+          <ac:graphicFrameMkLst>
+            <pc:docMk/>
+            <pc:sldMk cId="474498242" sldId="341"/>
+            <ac:graphicFrameMk id="4" creationId="{00000000-0000-0000-0000-000000000000}"/>
+          </ac:graphicFrameMkLst>
+        </pc:graphicFrameChg>
+      </pc:sldChg>
+    </pc:docChg>
+  </pc:docChgLst>
   <pc:docChgLst>
     <pc:chgData name="Porter, Chris" userId="S::portrchris@byui.edu::bacc3cf6-3423-4651-ad82-46a37d3432a1" providerId="AD" clId="Web-{C208ED74-22C8-EC0F-5789-D651D9B87AD8}"/>
     <pc:docChg chg="addSld modSld sldOrd">
@@ -1254,10 +1279,10 @@
           </a:ln>
           <a:extLst>
             <a:ext uri="{FAA26D3D-D897-4be2-8F04-BA451C77F1D7}">
-              <ma14:placeholderFlag xmlns:ma14="http://schemas.microsoft.com/office/mac/drawingml/2011/main" xmlns="" val="1"/>
+              <ma14:placeholderFlag xmlns="" xmlns:ma14="http://schemas.microsoft.com/office/mac/drawingml/2011/main" val="1"/>
             </a:ext>
             <a:ext uri="{909E8E84-426E-40dd-AFC4-6F175D3DCCD1}">
-              <a14:hiddenFill xmlns:a14="http://schemas.microsoft.com/office/drawing/2010/main" xmlns="">
+              <a14:hiddenFill xmlns="" xmlns:a14="http://schemas.microsoft.com/office/drawing/2010/main">
                 <a:solidFill>
                   <a:srgbClr val="FFFFFF"/>
                 </a:solidFill>
@@ -2121,14 +2146,14 @@
           </a:ln>
           <a:extLst>
             <a:ext uri="{909E8E84-426E-40dd-AFC4-6F175D3DCCD1}">
-              <a14:hiddenFill xmlns:a14="http://schemas.microsoft.com/office/drawing/2010/main" xmlns="">
+              <a14:hiddenFill xmlns="" xmlns:a14="http://schemas.microsoft.com/office/drawing/2010/main">
                 <a:solidFill>
                   <a:srgbClr val="FFFFFF"/>
                 </a:solidFill>
               </a14:hiddenFill>
             </a:ext>
             <a:ext uri="{91240B29-F687-4f45-9708-019B960494DF}">
-              <a14:hiddenLine xmlns:a14="http://schemas.microsoft.com/office/drawing/2010/main" xmlns="" w="9525">
+              <a14:hiddenLine xmlns="" xmlns:a14="http://schemas.microsoft.com/office/drawing/2010/main" w="9525">
                 <a:solidFill>
                   <a:srgbClr val="000000"/>
                 </a:solidFill>
@@ -19478,7 +19503,7 @@
           <p:nvPr>
             <p:extLst>
               <p:ext uri="{D42A27DB-BD31-4B8C-83A1-F6EECF244321}">
-                <p14:modId xmlns:p14="http://schemas.microsoft.com/office/powerpoint/2010/main" val="2088019783"/>
+                <p14:modId xmlns:p14="http://schemas.microsoft.com/office/powerpoint/2010/main" val="3554304961"/>
               </p:ext>
             </p:extLst>
           </p:nvPr>
@@ -19517,7 +19542,7 @@
                     <a:p>
                       <a:pPr algn="ctr" fontAlgn="b"/>
                       <a:r>
-                        <a:rPr lang="en-US" sz="1100" u="none" strike="noStrike">
+                        <a:rPr lang="en-US" sz="1100" u="none" strike="noStrike" dirty="0">
                           <a:solidFill>
                             <a:schemeClr val="bg1"/>
                           </a:solidFill>
@@ -19526,7 +19551,7 @@
                         <a:t>Hours on task during the week (On track ≥ 13 / </a:t>
                       </a:r>
                       <a:r>
-                        <a:rPr lang="en-US" sz="1100" u="none" strike="noStrike" err="1">
+                        <a:rPr lang="en-US" sz="1100" u="none" strike="noStrike" dirty="0" err="1">
                           <a:solidFill>
                             <a:schemeClr val="bg1"/>
                           </a:solidFill>
@@ -19535,7 +19560,7 @@
                         <a:t>wk</a:t>
                       </a:r>
                       <a:r>
-                        <a:rPr lang="en-US" sz="1100" u="none" strike="noStrike">
+                        <a:rPr lang="en-US" sz="1100" u="none" strike="noStrike" dirty="0">
                           <a:solidFill>
                             <a:schemeClr val="bg1"/>
                           </a:solidFill>
@@ -19543,7 +19568,7 @@
                         </a:rPr>
                         <a:t>)</a:t>
                       </a:r>
-                      <a:endParaRPr lang="en-US" sz="1100" b="0" i="0" u="none" strike="noStrike">
+                      <a:endParaRPr lang="en-US" sz="1100" b="0" i="0" u="none" strike="noStrike" dirty="0">
                         <a:solidFill>
                           <a:schemeClr val="bg1"/>
                         </a:solidFill>
@@ -19606,16 +19631,16 @@
                     <a:p>
                       <a:pPr algn="ctr" fontAlgn="b"/>
                       <a:r>
-                        <a:rPr lang="en-US" sz="1100" b="0" i="0" u="none" strike="noStrike">
+                        <a:rPr lang="en-US" sz="1100" b="0" i="0" u="none" strike="noStrike" dirty="0">
                           <a:solidFill>
                             <a:schemeClr val="bg1"/>
                           </a:solidFill>
                           <a:effectLst/>
                           <a:latin typeface="Calibri"/>
                         </a:rPr>
-                        <a:t>13.5</a:t>
+                        <a:t>13.8</a:t>
                       </a:r>
-                      <a:endParaRPr lang="en-US" sz="1100" b="0" i="0" u="none" strike="noStrike">
+                      <a:endParaRPr lang="en-US" sz="1100" b="0" i="0" u="none" strike="noStrike" dirty="0">
                         <a:solidFill>
                           <a:schemeClr val="bg1"/>
                         </a:solidFill>
@@ -19685,7 +19710,7 @@
                     <a:p>
                       <a:pPr algn="ctr" fontAlgn="b"/>
                       <a:r>
-                        <a:rPr lang="en-US" sz="1100" u="none" strike="noStrike">
+                        <a:rPr lang="en-US" sz="1100" u="none" strike="noStrike" dirty="0">
                           <a:solidFill>
                             <a:schemeClr val="bg1"/>
                           </a:solidFill>
@@ -19694,7 +19719,7 @@
                         <a:t> Total hours on task so far this semester (On track ≥ 125 </a:t>
                       </a:r>
                       <a:r>
-                        <a:rPr lang="en-US" sz="1100" u="none" strike="noStrike" err="1">
+                        <a:rPr lang="en-US" sz="1100" u="none" strike="noStrike" dirty="0" err="1">
                           <a:solidFill>
                             <a:schemeClr val="bg1"/>
                           </a:solidFill>
@@ -19703,7 +19728,7 @@
                         <a:t>hrs</a:t>
                       </a:r>
                       <a:r>
-                        <a:rPr lang="en-US" sz="1100" u="none" strike="noStrike">
+                        <a:rPr lang="en-US" sz="1100" u="none" strike="noStrike" dirty="0">
                           <a:solidFill>
                             <a:schemeClr val="bg1"/>
                           </a:solidFill>
@@ -19711,7 +19736,7 @@
                         </a:rPr>
                         <a:t>)</a:t>
                       </a:r>
-                      <a:endParaRPr lang="en-US" sz="1100" b="0" i="0" u="none" strike="noStrike">
+                      <a:endParaRPr lang="en-US" sz="1100" b="0" i="0" u="none" strike="noStrike" dirty="0">
                         <a:solidFill>
                           <a:schemeClr val="bg1"/>
                         </a:solidFill>
@@ -19774,7 +19799,7 @@
                     <a:p>
                       <a:pPr algn="ctr" fontAlgn="b"/>
                       <a:r>
-                        <a:rPr lang="en-US" sz="1100" b="0" i="0" u="none" strike="noStrike">
+                        <a:rPr lang="en-US" sz="1100" b="0" i="0" u="none" strike="noStrike" dirty="0">
                           <a:solidFill>
                             <a:schemeClr val="bg1"/>
                           </a:solidFill>
@@ -19783,7 +19808,7 @@
                         </a:rPr>
                         <a:t>123.5</a:t>
                       </a:r>
-                      <a:endParaRPr lang="en-US" sz="1100" b="0" i="0" u="none" strike="noStrike">
+                      <a:endParaRPr lang="en-US" sz="1100" b="0" i="0" u="none" strike="noStrike" dirty="0">
                         <a:solidFill>
                           <a:schemeClr val="bg1"/>
                         </a:solidFill>
